--- a/课件/实验课件/实验4 连续时间LTI系统的时域分析.pptx
+++ b/课件/实验课件/实验4 连续时间LTI系统的时域分析.pptx
@@ -137,6 +137,22 @@
       </a:defRPr>
     </a:lvl9pPr>
   </p:defaultTextStyle>
+  <p:extLst>
+    <p:ext uri="{EFAFB233-063F-42B5-8137-9DF3F51BA10A}">
+      <p15:sldGuideLst xmlns:p15="http://schemas.microsoft.com/office/powerpoint/2012/main">
+        <p15:guide id="1" orient="horz" pos="2160">
+          <p15:clr>
+            <a:srgbClr val="A4A3A4"/>
+          </p15:clr>
+        </p15:guide>
+        <p15:guide id="2" pos="2880">
+          <p15:clr>
+            <a:srgbClr val="A4A3A4"/>
+          </p15:clr>
+        </p15:guide>
+      </p15:sldGuideLst>
+    </p:ext>
+  </p:extLst>
 </p:presentation>
 </file>
 
@@ -321,7 +337,7 @@
           <a:p>
             <a:fld id="{925A4AB6-B0C7-455F-B59E-39B7D4506300}" type="datetimeFigureOut">
               <a:rPr lang="zh-CN" altLang="en-US" smtClean="0"/>
-              <a:t>2014-11-18</a:t>
+              <a:t>2019/11/28</a:t>
             </a:fld>
             <a:endParaRPr lang="zh-CN" altLang="en-US"/>
           </a:p>
@@ -491,7 +507,7 @@
           <a:p>
             <a:fld id="{925A4AB6-B0C7-455F-B59E-39B7D4506300}" type="datetimeFigureOut">
               <a:rPr lang="zh-CN" altLang="en-US" smtClean="0"/>
-              <a:t>2014-11-18</a:t>
+              <a:t>2019/11/28</a:t>
             </a:fld>
             <a:endParaRPr lang="zh-CN" altLang="en-US"/>
           </a:p>
@@ -671,7 +687,7 @@
           <a:p>
             <a:fld id="{925A4AB6-B0C7-455F-B59E-39B7D4506300}" type="datetimeFigureOut">
               <a:rPr lang="zh-CN" altLang="en-US" smtClean="0"/>
-              <a:t>2014-11-18</a:t>
+              <a:t>2019/11/28</a:t>
             </a:fld>
             <a:endParaRPr lang="zh-CN" altLang="en-US"/>
           </a:p>
@@ -1505,7 +1521,7 @@
           <a:p>
             <a:fld id="{925A4AB6-B0C7-455F-B59E-39B7D4506300}" type="datetimeFigureOut">
               <a:rPr lang="zh-CN" altLang="en-US" smtClean="0"/>
-              <a:t>2014-11-18</a:t>
+              <a:t>2019/11/28</a:t>
             </a:fld>
             <a:endParaRPr lang="zh-CN" altLang="en-US"/>
           </a:p>
@@ -1751,7 +1767,7 @@
           <a:p>
             <a:fld id="{925A4AB6-B0C7-455F-B59E-39B7D4506300}" type="datetimeFigureOut">
               <a:rPr lang="zh-CN" altLang="en-US" smtClean="0"/>
-              <a:t>2014-11-18</a:t>
+              <a:t>2019/11/28</a:t>
             </a:fld>
             <a:endParaRPr lang="zh-CN" altLang="en-US"/>
           </a:p>
@@ -2039,7 +2055,7 @@
           <a:p>
             <a:fld id="{925A4AB6-B0C7-455F-B59E-39B7D4506300}" type="datetimeFigureOut">
               <a:rPr lang="zh-CN" altLang="en-US" smtClean="0"/>
-              <a:t>2014-11-18</a:t>
+              <a:t>2019/11/28</a:t>
             </a:fld>
             <a:endParaRPr lang="zh-CN" altLang="en-US"/>
           </a:p>
@@ -2461,7 +2477,7 @@
           <a:p>
             <a:fld id="{925A4AB6-B0C7-455F-B59E-39B7D4506300}" type="datetimeFigureOut">
               <a:rPr lang="zh-CN" altLang="en-US" smtClean="0"/>
-              <a:t>2014-11-18</a:t>
+              <a:t>2019/11/28</a:t>
             </a:fld>
             <a:endParaRPr lang="zh-CN" altLang="en-US"/>
           </a:p>
@@ -2579,7 +2595,7 @@
           <a:p>
             <a:fld id="{925A4AB6-B0C7-455F-B59E-39B7D4506300}" type="datetimeFigureOut">
               <a:rPr lang="zh-CN" altLang="en-US" smtClean="0"/>
-              <a:t>2014-11-18</a:t>
+              <a:t>2019/11/28</a:t>
             </a:fld>
             <a:endParaRPr lang="zh-CN" altLang="en-US"/>
           </a:p>
@@ -2674,7 +2690,7 @@
           <a:p>
             <a:fld id="{925A4AB6-B0C7-455F-B59E-39B7D4506300}" type="datetimeFigureOut">
               <a:rPr lang="zh-CN" altLang="en-US" smtClean="0"/>
-              <a:t>2014-11-18</a:t>
+              <a:t>2019/11/28</a:t>
             </a:fld>
             <a:endParaRPr lang="zh-CN" altLang="en-US"/>
           </a:p>
@@ -2951,7 +2967,7 @@
           <a:p>
             <a:fld id="{925A4AB6-B0C7-455F-B59E-39B7D4506300}" type="datetimeFigureOut">
               <a:rPr lang="zh-CN" altLang="en-US" smtClean="0"/>
-              <a:t>2014-11-18</a:t>
+              <a:t>2019/11/28</a:t>
             </a:fld>
             <a:endParaRPr lang="zh-CN" altLang="en-US"/>
           </a:p>
@@ -3204,7 +3220,7 @@
           <a:p>
             <a:fld id="{925A4AB6-B0C7-455F-B59E-39B7D4506300}" type="datetimeFigureOut">
               <a:rPr lang="zh-CN" altLang="en-US" smtClean="0"/>
-              <a:t>2014-11-18</a:t>
+              <a:t>2019/11/28</a:t>
             </a:fld>
             <a:endParaRPr lang="zh-CN" altLang="en-US"/>
           </a:p>
@@ -3417,7 +3433,7 @@
           <a:p>
             <a:fld id="{925A4AB6-B0C7-455F-B59E-39B7D4506300}" type="datetimeFigureOut">
               <a:rPr lang="zh-CN" altLang="en-US" smtClean="0"/>
-              <a:t>2014-11-18</a:t>
+              <a:t>2019/11/28</a:t>
             </a:fld>
             <a:endParaRPr lang="zh-CN" altLang="en-US"/>
           </a:p>
@@ -4183,7 +4199,7 @@
           <a:graphicData uri="http://schemas.openxmlformats.org/presentationml/2006/ole">
             <mc:AlternateContent xmlns:mc="http://schemas.openxmlformats.org/markup-compatibility/2006">
               <mc:Choice xmlns:v="urn:schemas-microsoft-com:vml" Requires="v">
-                <p:oleObj spid="_x0000_s7197" name="Equation" r:id="rId3" imgW="863280" imgH="228600" progId="Equation.DSMT4">
+                <p:oleObj spid="_x0000_s7203" name="Equation" r:id="rId3" imgW="863280" imgH="228600" progId="Equation.DSMT4">
                   <p:embed/>
                 </p:oleObj>
               </mc:Choice>
@@ -4278,7 +4294,7 @@
           <a:graphicData uri="http://schemas.openxmlformats.org/presentationml/2006/ole">
             <mc:AlternateContent xmlns:mc="http://schemas.openxmlformats.org/markup-compatibility/2006">
               <mc:Choice xmlns:v="urn:schemas-microsoft-com:vml" Requires="v">
-                <p:oleObj spid="_x0000_s7198" name="Equation" r:id="rId5" imgW="2133360" imgH="203040" progId="Equation.DSMT4">
+                <p:oleObj spid="_x0000_s7204" name="Equation" r:id="rId5" imgW="2133360" imgH="203040" progId="Equation.DSMT4">
                   <p:embed/>
                 </p:oleObj>
               </mc:Choice>
@@ -4610,7 +4626,7 @@
           <a:graphicData uri="http://schemas.openxmlformats.org/presentationml/2006/ole">
             <mc:AlternateContent xmlns:mc="http://schemas.openxmlformats.org/markup-compatibility/2006">
               <mc:Choice xmlns:v="urn:schemas-microsoft-com:vml" Requires="v">
-                <p:oleObj spid="_x0000_s7199" name="Equation" r:id="rId7" imgW="1244520" imgH="228600" progId="Equation.DSMT4">
+                <p:oleObj spid="_x0000_s7205" name="Equation" r:id="rId7" imgW="1244520" imgH="228600" progId="Equation.DSMT4">
                   <p:embed/>
                 </p:oleObj>
               </mc:Choice>
@@ -4981,7 +4997,7 @@
           <a:graphicData uri="http://schemas.openxmlformats.org/presentationml/2006/ole">
             <mc:AlternateContent xmlns:mc="http://schemas.openxmlformats.org/markup-compatibility/2006">
               <mc:Choice xmlns:v="urn:schemas-microsoft-com:vml" Requires="v">
-                <p:oleObj spid="_x0000_s8203" name="Equation" r:id="rId3" imgW="2654280" imgH="736560" progId="Equation.DSMT4">
+                <p:oleObj spid="_x0000_s8205" name="Equation" r:id="rId3" imgW="2654280" imgH="736560" progId="Equation.DSMT4">
                   <p:embed/>
                 </p:oleObj>
               </mc:Choice>
@@ -5289,7 +5305,7 @@
           <a:graphicData uri="http://schemas.openxmlformats.org/presentationml/2006/ole">
             <mc:AlternateContent xmlns:mc="http://schemas.openxmlformats.org/markup-compatibility/2006">
               <mc:Choice xmlns:v="urn:schemas-microsoft-com:vml" Requires="v">
-                <p:oleObj spid="_x0000_s9245" name="Equation" r:id="rId3" imgW="558720" imgH="228600" progId="Equation.DSMT4">
+                <p:oleObj spid="_x0000_s9254" name="Equation" r:id="rId3" imgW="558720" imgH="228600" progId="Equation.DSMT4">
                   <p:embed/>
                 </p:oleObj>
               </mc:Choice>
@@ -5384,7 +5400,7 @@
           <a:graphicData uri="http://schemas.openxmlformats.org/presentationml/2006/ole">
             <mc:AlternateContent xmlns:mc="http://schemas.openxmlformats.org/markup-compatibility/2006">
               <mc:Choice xmlns:v="urn:schemas-microsoft-com:vml" Requires="v">
-                <p:oleObj spid="_x0000_s9246" name="Equation" r:id="rId5" imgW="2209680" imgH="203040" progId="Equation.DSMT4">
+                <p:oleObj spid="_x0000_s9255" name="Equation" r:id="rId5" imgW="2209680" imgH="203040" progId="Equation.DSMT4">
                   <p:embed/>
                 </p:oleObj>
               </mc:Choice>
@@ -5716,7 +5732,7 @@
           <a:graphicData uri="http://schemas.openxmlformats.org/presentationml/2006/ole">
             <mc:AlternateContent xmlns:mc="http://schemas.openxmlformats.org/markup-compatibility/2006">
               <mc:Choice xmlns:v="urn:schemas-microsoft-com:vml" Requires="v">
-                <p:oleObj spid="_x0000_s9247" name="Equation" r:id="rId7" imgW="1218960" imgH="228600" progId="Equation.DSMT4">
+                <p:oleObj spid="_x0000_s9256" name="Equation" r:id="rId7" imgW="1218960" imgH="228600" progId="Equation.DSMT4">
                   <p:embed/>
                 </p:oleObj>
               </mc:Choice>
@@ -6874,7 +6890,7 @@
           <a:graphicData uri="http://schemas.openxmlformats.org/presentationml/2006/ole">
             <mc:AlternateContent xmlns:mc="http://schemas.openxmlformats.org/markup-compatibility/2006">
               <mc:Choice xmlns:v="urn:schemas-microsoft-com:vml" Requires="v">
-                <p:oleObj spid="_x0000_s10259" name="Equation" r:id="rId3" imgW="4381200" imgH="241200" progId="Equation.DSMT4">
+                <p:oleObj spid="_x0000_s10263" name="Equation" r:id="rId3" imgW="4381200" imgH="241200" progId="Equation.DSMT4">
                   <p:embed/>
                 </p:oleObj>
               </mc:Choice>
@@ -6973,7 +6989,7 @@
           <a:graphicData uri="http://schemas.openxmlformats.org/presentationml/2006/ole">
             <mc:AlternateContent xmlns:mc="http://schemas.openxmlformats.org/markup-compatibility/2006">
               <mc:Choice xmlns:v="urn:schemas-microsoft-com:vml" Requires="v">
-                <p:oleObj spid="_x0000_s10260" name="Equation" r:id="rId5" imgW="1066680" imgH="457200" progId="Equation.DSMT4">
+                <p:oleObj spid="_x0000_s10264" name="Equation" r:id="rId5" imgW="1066680" imgH="457200" progId="Equation.DSMT4">
                   <p:embed/>
                 </p:oleObj>
               </mc:Choice>
@@ -7105,7 +7121,7 @@
           <a:graphicData uri="http://schemas.openxmlformats.org/presentationml/2006/ole">
             <mc:AlternateContent xmlns:mc="http://schemas.openxmlformats.org/markup-compatibility/2006">
               <mc:Choice xmlns:v="urn:schemas-microsoft-com:vml" Requires="v">
-                <p:oleObj spid="_x0000_s11288" name="Equation" r:id="rId3" imgW="660240" imgH="203040" progId="Equation.DSMT4">
+                <p:oleObj spid="_x0000_s11292" name="Equation" r:id="rId3" imgW="660240" imgH="203040" progId="Equation.DSMT4">
                   <p:embed/>
                 </p:oleObj>
               </mc:Choice>
@@ -7348,7 +7364,7 @@
           <a:graphicData uri="http://schemas.openxmlformats.org/presentationml/2006/ole">
             <mc:AlternateContent xmlns:mc="http://schemas.openxmlformats.org/markup-compatibility/2006">
               <mc:Choice xmlns:v="urn:schemas-microsoft-com:vml" Requires="v">
-                <p:oleObj spid="_x0000_s11289" name="Equation" r:id="rId5" imgW="2273040" imgH="203040" progId="Equation.DSMT4">
+                <p:oleObj spid="_x0000_s11293" name="Equation" r:id="rId5" imgW="2273040" imgH="203040" progId="Equation.DSMT4">
                   <p:embed/>
                 </p:oleObj>
               </mc:Choice>
@@ -8090,7 +8106,7 @@
           <a:graphicData uri="http://schemas.openxmlformats.org/presentationml/2006/ole">
             <mc:AlternateContent xmlns:mc="http://schemas.openxmlformats.org/markup-compatibility/2006">
               <mc:Choice xmlns:v="urn:schemas-microsoft-com:vml" Requires="v">
-                <p:oleObj spid="_x0000_s12320" name="Equation" r:id="rId3" imgW="863280" imgH="228600" progId="Equation.DSMT4">
+                <p:oleObj spid="_x0000_s12332" name="Equation" r:id="rId3" imgW="863280" imgH="228600" progId="Equation.DSMT4">
                   <p:embed/>
                 </p:oleObj>
               </mc:Choice>
@@ -8185,7 +8201,7 @@
           <a:graphicData uri="http://schemas.openxmlformats.org/presentationml/2006/ole">
             <mc:AlternateContent xmlns:mc="http://schemas.openxmlformats.org/markup-compatibility/2006">
               <mc:Choice xmlns:v="urn:schemas-microsoft-com:vml" Requires="v">
-                <p:oleObj spid="_x0000_s12321" name="Equation" r:id="rId5" imgW="2133360" imgH="203040" progId="Equation.DSMT4">
+                <p:oleObj spid="_x0000_s12333" name="Equation" r:id="rId5" imgW="2133360" imgH="203040" progId="Equation.DSMT4">
                   <p:embed/>
                 </p:oleObj>
               </mc:Choice>
@@ -8522,7 +8538,7 @@
           <a:graphicData uri="http://schemas.openxmlformats.org/presentationml/2006/ole">
             <mc:AlternateContent xmlns:mc="http://schemas.openxmlformats.org/markup-compatibility/2006">
               <mc:Choice xmlns:v="urn:schemas-microsoft-com:vml" Requires="v">
-                <p:oleObj spid="_x0000_s12322" name="Equation" r:id="rId7" imgW="1244520" imgH="228600" progId="Equation.DSMT4">
+                <p:oleObj spid="_x0000_s12334" name="Equation" r:id="rId7" imgW="1244520" imgH="228600" progId="Equation.DSMT4">
                   <p:embed/>
                 </p:oleObj>
               </mc:Choice>
@@ -9223,7 +9239,7 @@
           <a:graphicData uri="http://schemas.openxmlformats.org/presentationml/2006/ole">
             <mc:AlternateContent xmlns:mc="http://schemas.openxmlformats.org/markup-compatibility/2006">
               <mc:Choice xmlns:v="urn:schemas-microsoft-com:vml" Requires="v">
-                <p:oleObj spid="_x0000_s17446" name="Equation" r:id="rId3" imgW="291960" imgH="203040" progId="Equation.DSMT4">
+                <p:oleObj spid="_x0000_s17454" name="Equation" r:id="rId3" imgW="291960" imgH="203040" progId="Equation.DSMT4">
                   <p:embed/>
                 </p:oleObj>
               </mc:Choice>
@@ -9318,7 +9334,7 @@
           <a:graphicData uri="http://schemas.openxmlformats.org/presentationml/2006/ole">
             <mc:AlternateContent xmlns:mc="http://schemas.openxmlformats.org/markup-compatibility/2006">
               <mc:Choice xmlns:v="urn:schemas-microsoft-com:vml" Requires="v">
-                <p:oleObj spid="_x0000_s17447" name="Equation" r:id="rId5" imgW="279360" imgH="203040" progId="Equation.DSMT4">
+                <p:oleObj spid="_x0000_s17455" name="Equation" r:id="rId5" imgW="279360" imgH="203040" progId="Equation.DSMT4">
                   <p:embed/>
                 </p:oleObj>
               </mc:Choice>
@@ -9637,7 +9653,7 @@
           <a:graphicData uri="http://schemas.openxmlformats.org/presentationml/2006/ole">
             <mc:AlternateContent xmlns:mc="http://schemas.openxmlformats.org/markup-compatibility/2006">
               <mc:Choice xmlns:v="urn:schemas-microsoft-com:vml" Requires="v">
-                <p:oleObj spid="_x0000_s17448" name="Equation" r:id="rId7" imgW="279360" imgH="203040" progId="Equation.DSMT4">
+                <p:oleObj spid="_x0000_s17456" name="Equation" r:id="rId7" imgW="279360" imgH="203040" progId="Equation.DSMT4">
                   <p:embed/>
                 </p:oleObj>
               </mc:Choice>
@@ -9730,7 +9746,7 @@
           <a:graphicData uri="http://schemas.openxmlformats.org/presentationml/2006/ole">
             <mc:AlternateContent xmlns:mc="http://schemas.openxmlformats.org/markup-compatibility/2006">
               <mc:Choice xmlns:v="urn:schemas-microsoft-com:vml" Requires="v">
-                <p:oleObj spid="_x0000_s17449" name="Equation" r:id="rId9" imgW="291960" imgH="203040" progId="Equation.DSMT4">
+                <p:oleObj spid="_x0000_s17457" name="Equation" r:id="rId9" imgW="291960" imgH="203040" progId="Equation.DSMT4">
                   <p:embed/>
                 </p:oleObj>
               </mc:Choice>
@@ -10089,7 +10105,7 @@
           <a:graphicData uri="http://schemas.openxmlformats.org/presentationml/2006/ole">
             <mc:AlternateContent xmlns:mc="http://schemas.openxmlformats.org/markup-compatibility/2006">
               <mc:Choice xmlns:v="urn:schemas-microsoft-com:vml" Requires="v">
-                <p:oleObj spid="_x0000_s18462" name="Equation" r:id="rId3" imgW="4381200" imgH="241200" progId="Equation.DSMT4">
+                <p:oleObj spid="_x0000_s18466" name="Equation" r:id="rId3" imgW="4381200" imgH="241200" progId="Equation.DSMT4">
                   <p:embed/>
                 </p:oleObj>
               </mc:Choice>
@@ -10485,7 +10501,7 @@
           <a:graphicData uri="http://schemas.openxmlformats.org/presentationml/2006/ole">
             <mc:AlternateContent xmlns:mc="http://schemas.openxmlformats.org/markup-compatibility/2006">
               <mc:Choice xmlns:v="urn:schemas-microsoft-com:vml" Requires="v">
-                <p:oleObj spid="_x0000_s18463" name="Equation" r:id="rId5" imgW="1066680" imgH="457200" progId="Equation.DSMT4">
+                <p:oleObj spid="_x0000_s18467" name="Equation" r:id="rId5" imgW="1066680" imgH="457200" progId="Equation.DSMT4">
                   <p:embed/>
                 </p:oleObj>
               </mc:Choice>
@@ -10616,7 +10632,7 @@
           <a:graphicData uri="http://schemas.openxmlformats.org/presentationml/2006/ole">
             <mc:AlternateContent xmlns:mc="http://schemas.openxmlformats.org/markup-compatibility/2006">
               <mc:Choice xmlns:v="urn:schemas-microsoft-com:vml" Requires="v">
-                <p:oleObj spid="_x0000_s19480" name="Equation" r:id="rId3" imgW="583920" imgH="203040" progId="Equation.DSMT4">
+                <p:oleObj spid="_x0000_s19484" name="Equation" r:id="rId3" imgW="583920" imgH="203040" progId="Equation.DSMT4">
                   <p:embed/>
                 </p:oleObj>
               </mc:Choice>
@@ -10711,7 +10727,7 @@
           <a:graphicData uri="http://schemas.openxmlformats.org/presentationml/2006/ole">
             <mc:AlternateContent xmlns:mc="http://schemas.openxmlformats.org/markup-compatibility/2006">
               <mc:Choice xmlns:v="urn:schemas-microsoft-com:vml" Requires="v">
-                <p:oleObj spid="_x0000_s19481" name="Equation" r:id="rId5" imgW="2349360" imgH="203040" progId="Equation.DSMT4">
+                <p:oleObj spid="_x0000_s19485" name="Equation" r:id="rId5" imgW="2349360" imgH="203040" progId="Equation.DSMT4">
                   <p:embed/>
                 </p:oleObj>
               </mc:Choice>
@@ -11405,7 +11421,7 @@
           <a:graphicData uri="http://schemas.openxmlformats.org/presentationml/2006/ole">
             <mc:AlternateContent xmlns:mc="http://schemas.openxmlformats.org/markup-compatibility/2006">
               <mc:Choice xmlns:v="urn:schemas-microsoft-com:vml" Requires="v">
-                <p:oleObj spid="_x0000_s20502" name="Equation" r:id="rId3" imgW="660240" imgH="228600" progId="Equation.DSMT4">
+                <p:oleObj spid="_x0000_s20506" name="Equation" r:id="rId3" imgW="660240" imgH="228600" progId="Equation.DSMT4">
                   <p:embed/>
                 </p:oleObj>
               </mc:Choice>
@@ -11500,7 +11516,7 @@
           <a:graphicData uri="http://schemas.openxmlformats.org/presentationml/2006/ole">
             <mc:AlternateContent xmlns:mc="http://schemas.openxmlformats.org/markup-compatibility/2006">
               <mc:Choice xmlns:v="urn:schemas-microsoft-com:vml" Requires="v">
-                <p:oleObj spid="_x0000_s20503" name="Equation" r:id="rId5" imgW="2349360" imgH="203040" progId="Equation.DSMT4">
+                <p:oleObj spid="_x0000_s20507" name="Equation" r:id="rId5" imgW="2349360" imgH="203040" progId="Equation.DSMT4">
                   <p:embed/>
                 </p:oleObj>
               </mc:Choice>
@@ -12540,26 +12556,26 @@
               </a:spcBef>
             </a:pPr>
             <a:r>
-              <a:rPr lang="en-US" altLang="zh-CN" sz="2800" b="1">
+              <a:rPr lang="en-US" altLang="zh-CN" sz="2800" b="1" dirty="0">
                 <a:latin typeface="楷体_GB2312" pitchFamily="49" charset="-122"/>
                 <a:ea typeface="楷体_GB2312" pitchFamily="49" charset="-122"/>
               </a:rPr>
               <a:t>1</a:t>
             </a:r>
             <a:r>
-              <a:rPr lang="zh-CN" altLang="en-US" sz="2800" b="1">
+              <a:rPr lang="zh-CN" altLang="en-US" sz="2800" b="1" dirty="0">
                 <a:latin typeface="楷体_GB2312" pitchFamily="49" charset="-122"/>
                 <a:ea typeface="楷体_GB2312" pitchFamily="49" charset="-122"/>
               </a:rPr>
               <a:t>、</a:t>
             </a:r>
             <a:r>
-              <a:rPr lang="zh-CN" altLang="en-US" sz="2800" b="1">
+              <a:rPr lang="zh-CN" altLang="en-US" sz="2800" b="1" dirty="0">
                 <a:ea typeface="楷体_GB2312" pitchFamily="49" charset="-122"/>
               </a:rPr>
               <a:t>已知系统的微分方程和激励信号，求零状态响应（用符号法，数值法，卷积积分法）</a:t>
             </a:r>
-            <a:endParaRPr lang="en-US" altLang="zh-CN" sz="2800" b="1">
+            <a:endParaRPr lang="en-US" altLang="zh-CN" sz="2800" b="1" dirty="0">
               <a:latin typeface="楷体_GB2312" pitchFamily="49" charset="-122"/>
               <a:ea typeface="楷体_GB2312" pitchFamily="49" charset="-122"/>
             </a:endParaRPr>
@@ -12574,21 +12590,21 @@
               </a:spcBef>
             </a:pPr>
             <a:r>
-              <a:rPr lang="zh-CN" altLang="en-US" sz="2800" b="1">
+              <a:rPr lang="zh-CN" altLang="en-US" sz="2800" b="1" dirty="0">
                 <a:latin typeface="楷体_GB2312" pitchFamily="49" charset="-122"/>
                 <a:ea typeface="楷体_GB2312" pitchFamily="49" charset="-122"/>
               </a:rPr>
               <a:t>   （</a:t>
             </a:r>
             <a:r>
-              <a:rPr lang="en-US" altLang="zh-CN" sz="2800" b="1">
+              <a:rPr lang="en-US" altLang="zh-CN" sz="2800" b="1" dirty="0">
                 <a:latin typeface="楷体_GB2312" pitchFamily="49" charset="-122"/>
                 <a:ea typeface="楷体_GB2312" pitchFamily="49" charset="-122"/>
               </a:rPr>
               <a:t>1</a:t>
             </a:r>
             <a:r>
-              <a:rPr lang="zh-CN" altLang="en-US" sz="2800" b="1">
+              <a:rPr lang="zh-CN" altLang="en-US" sz="2800" b="1" dirty="0">
                 <a:latin typeface="楷体_GB2312" pitchFamily="49" charset="-122"/>
                 <a:ea typeface="楷体_GB2312" pitchFamily="49" charset="-122"/>
               </a:rPr>
@@ -12605,21 +12621,21 @@
               </a:spcBef>
             </a:pPr>
             <a:r>
-              <a:rPr lang="zh-CN" altLang="en-US" sz="2800" b="1">
+              <a:rPr lang="zh-CN" altLang="en-US" sz="2800" b="1" dirty="0">
                 <a:latin typeface="楷体_GB2312" pitchFamily="49" charset="-122"/>
                 <a:ea typeface="楷体_GB2312" pitchFamily="49" charset="-122"/>
               </a:rPr>
               <a:t>   （</a:t>
             </a:r>
             <a:r>
-              <a:rPr lang="en-US" altLang="zh-CN" sz="2800" b="1">
+              <a:rPr lang="en-US" altLang="zh-CN" sz="2800" b="1" dirty="0">
                 <a:latin typeface="楷体_GB2312" pitchFamily="49" charset="-122"/>
                 <a:ea typeface="楷体_GB2312" pitchFamily="49" charset="-122"/>
               </a:rPr>
               <a:t>2</a:t>
             </a:r>
             <a:r>
-              <a:rPr lang="zh-CN" altLang="en-US" sz="2800" b="1">
+              <a:rPr lang="zh-CN" altLang="en-US" sz="2800" b="1" dirty="0">
                 <a:latin typeface="楷体_GB2312" pitchFamily="49" charset="-122"/>
                 <a:ea typeface="楷体_GB2312" pitchFamily="49" charset="-122"/>
               </a:rPr>
@@ -12635,7 +12651,7 @@
                 <a:spcPct val="50000"/>
               </a:spcBef>
             </a:pPr>
-            <a:endParaRPr lang="zh-CN" altLang="en-US" sz="2800" b="1">
+            <a:endParaRPr lang="zh-CN" altLang="en-US" sz="2800" b="1" dirty="0">
               <a:latin typeface="楷体_GB2312" pitchFamily="49" charset="-122"/>
               <a:ea typeface="楷体_GB2312" pitchFamily="49" charset="-122"/>
             </a:endParaRPr>
@@ -12660,7 +12676,7 @@
           <a:graphicData uri="http://schemas.openxmlformats.org/presentationml/2006/ole">
             <mc:AlternateContent xmlns:mc="http://schemas.openxmlformats.org/markup-compatibility/2006">
               <mc:Choice xmlns:v="urn:schemas-microsoft-com:vml" Requires="v">
-                <p:oleObj spid="_x0000_s21524" name="Equation" r:id="rId3" imgW="2400120" imgH="203040" progId="Equation.DSMT4">
+                <p:oleObj spid="_x0000_s21528" name="Equation" r:id="rId3" imgW="2400120" imgH="203040" progId="Equation.DSMT4">
                   <p:embed/>
                 </p:oleObj>
               </mc:Choice>
@@ -12755,7 +12771,7 @@
           <a:graphicData uri="http://schemas.openxmlformats.org/presentationml/2006/ole">
             <mc:AlternateContent xmlns:mc="http://schemas.openxmlformats.org/markup-compatibility/2006">
               <mc:Choice xmlns:v="urn:schemas-microsoft-com:vml" Requires="v">
-                <p:oleObj spid="_x0000_s21525" name="Equation" r:id="rId5" imgW="3073320" imgH="228600" progId="Equation.DSMT4">
+                <p:oleObj spid="_x0000_s21529" name="Equation" r:id="rId5" imgW="3073320" imgH="228600" progId="Equation.DSMT4">
                   <p:embed/>
                 </p:oleObj>
               </mc:Choice>
@@ -13037,7 +13053,7 @@
           <a:graphicData uri="http://schemas.openxmlformats.org/presentationml/2006/ole">
             <mc:AlternateContent xmlns:mc="http://schemas.openxmlformats.org/markup-compatibility/2006">
               <mc:Choice xmlns:v="urn:schemas-microsoft-com:vml" Requires="v">
-                <p:oleObj spid="_x0000_s22540" name="Equation" r:id="rId3" imgW="3035160" imgH="457200" progId="Equation.DSMT4">
+                <p:oleObj spid="_x0000_s22542" name="Equation" r:id="rId3" imgW="3035160" imgH="457200" progId="Equation.DSMT4">
                   <p:embed/>
                 </p:oleObj>
               </mc:Choice>
@@ -13301,6 +13317,25 @@
           </a:p>
         </p:txBody>
       </p:sp>
+      <p:sp>
+        <p:nvSpPr>
+          <p:cNvPr id="3" name="标题 2"/>
+          <p:cNvSpPr>
+            <a:spLocks noGrp="1"/>
+          </p:cNvSpPr>
+          <p:nvPr>
+            <p:ph type="title" sz="quarter"/>
+          </p:nvPr>
+        </p:nvSpPr>
+        <p:spPr/>
+        <p:txBody>
+          <a:bodyPr/>
+          <a:lstStyle/>
+          <a:p>
+            <a:endParaRPr lang="zh-CN" altLang="en-US"/>
+          </a:p>
+        </p:txBody>
+      </p:sp>
       <p:graphicFrame>
         <p:nvGraphicFramePr>
           <p:cNvPr id="208900" name="Object 4"/>
@@ -13309,17 +13344,22 @@
           </p:cNvGraphicFramePr>
           <p:nvPr>
             <p:ph sz="quarter" idx="1"/>
+            <p:extLst>
+              <p:ext uri="{D42A27DB-BD31-4B8C-83A1-F6EECF244321}">
+                <p14:modId xmlns:p14="http://schemas.microsoft.com/office/powerpoint/2010/main" val="2827693422"/>
+              </p:ext>
+            </p:extLst>
           </p:nvPr>
         </p:nvGraphicFramePr>
         <p:xfrm>
-          <a:off x="1716088" y="2995613"/>
-          <a:ext cx="7256462" cy="1074737"/>
+          <a:off x="1907704" y="3068960"/>
+          <a:ext cx="3086100" cy="457200"/>
         </p:xfrm>
         <a:graphic>
           <a:graphicData uri="http://schemas.openxmlformats.org/presentationml/2006/ole">
             <mc:AlternateContent xmlns:mc="http://schemas.openxmlformats.org/markup-compatibility/2006">
               <mc:Choice xmlns:v="urn:schemas-microsoft-com:vml" Requires="v">
-                <p:oleObj spid="_x0000_s23564" name="Equation" r:id="rId3" imgW="3085920" imgH="457200" progId="Equation.DSMT4">
+                <p:oleObj spid="_x0000_s23568" name="Equation" r:id="rId3" imgW="3085920" imgH="457200" progId="Equation.DSMT4">
                   <p:embed/>
                 </p:oleObj>
               </mc:Choice>
@@ -13349,8 +13389,8 @@
                     </p:blipFill>
                     <p:spPr bwMode="auto">
                       <a:xfrm>
-                        <a:off x="1716088" y="2995613"/>
-                        <a:ext cx="7256462" cy="1074737"/>
+                        <a:off x="1907704" y="3068960"/>
+                        <a:ext cx="3086100" cy="457200"/>
                       </a:xfrm>
                       <a:prstGeom prst="rect">
                         <a:avLst/>
@@ -13396,6 +13436,63 @@
           </a:graphicData>
         </a:graphic>
       </p:graphicFrame>
+      <p:sp>
+        <p:nvSpPr>
+          <p:cNvPr id="4" name="内容占位符 3"/>
+          <p:cNvSpPr>
+            <a:spLocks noGrp="1"/>
+          </p:cNvSpPr>
+          <p:nvPr>
+            <p:ph sz="quarter" idx="2"/>
+          </p:nvPr>
+        </p:nvSpPr>
+        <p:spPr/>
+        <p:txBody>
+          <a:bodyPr/>
+          <a:lstStyle/>
+          <a:p>
+            <a:endParaRPr lang="zh-CN" altLang="en-US"/>
+          </a:p>
+        </p:txBody>
+      </p:sp>
+      <p:sp>
+        <p:nvSpPr>
+          <p:cNvPr id="5" name="内容占位符 4"/>
+          <p:cNvSpPr>
+            <a:spLocks noGrp="1"/>
+          </p:cNvSpPr>
+          <p:nvPr>
+            <p:ph sz="quarter" idx="3"/>
+          </p:nvPr>
+        </p:nvSpPr>
+        <p:spPr/>
+        <p:txBody>
+          <a:bodyPr/>
+          <a:lstStyle/>
+          <a:p>
+            <a:endParaRPr lang="zh-CN" altLang="en-US"/>
+          </a:p>
+        </p:txBody>
+      </p:sp>
+      <p:sp>
+        <p:nvSpPr>
+          <p:cNvPr id="6" name="内容占位符 5"/>
+          <p:cNvSpPr>
+            <a:spLocks noGrp="1"/>
+          </p:cNvSpPr>
+          <p:nvPr>
+            <p:ph sz="quarter" idx="4"/>
+          </p:nvPr>
+        </p:nvSpPr>
+        <p:spPr/>
+        <p:txBody>
+          <a:bodyPr/>
+          <a:lstStyle/>
+          <a:p>
+            <a:endParaRPr lang="zh-CN" altLang="en-US"/>
+          </a:p>
+        </p:txBody>
+      </p:sp>
     </p:spTree>
     <p:extLst>
       <p:ext uri="{BB962C8B-B14F-4D97-AF65-F5344CB8AC3E}">
@@ -13498,26 +13595,26 @@
               </a:spcBef>
             </a:pPr>
             <a:r>
-              <a:rPr lang="en-US" altLang="zh-CN" sz="2800" b="1">
+              <a:rPr lang="en-US" altLang="zh-CN" sz="2800" b="1" dirty="0">
                 <a:latin typeface="楷体_GB2312" pitchFamily="49" charset="-122"/>
                 <a:ea typeface="楷体_GB2312" pitchFamily="49" charset="-122"/>
               </a:rPr>
               <a:t>4</a:t>
             </a:r>
             <a:r>
-              <a:rPr lang="zh-CN" altLang="en-US" sz="2800" b="1">
+              <a:rPr lang="zh-CN" altLang="en-US" sz="2800" b="1" dirty="0">
                 <a:latin typeface="楷体_GB2312" pitchFamily="49" charset="-122"/>
                 <a:ea typeface="楷体_GB2312" pitchFamily="49" charset="-122"/>
               </a:rPr>
               <a:t>、</a:t>
             </a:r>
             <a:r>
-              <a:rPr lang="zh-CN" altLang="en-US" sz="2800" b="1">
+              <a:rPr lang="zh-CN" altLang="en-US" sz="2800" b="1" dirty="0">
                 <a:ea typeface="楷体_GB2312" pitchFamily="49" charset="-122"/>
               </a:rPr>
               <a:t>已知系统的微分方程，求单位冲激响应和单位阶跃响应</a:t>
             </a:r>
-            <a:endParaRPr lang="en-US" altLang="zh-CN" sz="2800" b="1">
+            <a:endParaRPr lang="en-US" altLang="zh-CN" sz="2800" b="1" dirty="0">
               <a:latin typeface="楷体_GB2312" pitchFamily="49" charset="-122"/>
               <a:ea typeface="楷体_GB2312" pitchFamily="49" charset="-122"/>
             </a:endParaRPr>
@@ -13532,21 +13629,21 @@
               </a:spcBef>
             </a:pPr>
             <a:r>
-              <a:rPr lang="zh-CN" altLang="en-US" sz="2800" b="1">
+              <a:rPr lang="zh-CN" altLang="en-US" sz="2800" b="1" dirty="0">
                 <a:latin typeface="楷体_GB2312" pitchFamily="49" charset="-122"/>
                 <a:ea typeface="楷体_GB2312" pitchFamily="49" charset="-122"/>
               </a:rPr>
               <a:t>   （</a:t>
             </a:r>
             <a:r>
-              <a:rPr lang="en-US" altLang="zh-CN" sz="2800" b="1">
+              <a:rPr lang="en-US" altLang="zh-CN" sz="2800" b="1" dirty="0">
                 <a:latin typeface="楷体_GB2312" pitchFamily="49" charset="-122"/>
                 <a:ea typeface="楷体_GB2312" pitchFamily="49" charset="-122"/>
               </a:rPr>
               <a:t>1</a:t>
             </a:r>
             <a:r>
-              <a:rPr lang="zh-CN" altLang="en-US" sz="2800" b="1">
+              <a:rPr lang="zh-CN" altLang="en-US" sz="2800" b="1" dirty="0">
                 <a:latin typeface="楷体_GB2312" pitchFamily="49" charset="-122"/>
                 <a:ea typeface="楷体_GB2312" pitchFamily="49" charset="-122"/>
               </a:rPr>
@@ -13563,21 +13660,21 @@
               </a:spcBef>
             </a:pPr>
             <a:r>
-              <a:rPr lang="zh-CN" altLang="en-US" sz="2800" b="1">
+              <a:rPr lang="zh-CN" altLang="en-US" sz="2800" b="1" dirty="0">
                 <a:latin typeface="楷体_GB2312" pitchFamily="49" charset="-122"/>
                 <a:ea typeface="楷体_GB2312" pitchFamily="49" charset="-122"/>
               </a:rPr>
               <a:t>   （</a:t>
             </a:r>
             <a:r>
-              <a:rPr lang="en-US" altLang="zh-CN" sz="2800" b="1">
+              <a:rPr lang="en-US" altLang="zh-CN" sz="2800" b="1" dirty="0">
                 <a:latin typeface="楷体_GB2312" pitchFamily="49" charset="-122"/>
                 <a:ea typeface="楷体_GB2312" pitchFamily="49" charset="-122"/>
               </a:rPr>
               <a:t>2</a:t>
             </a:r>
             <a:r>
-              <a:rPr lang="zh-CN" altLang="en-US" sz="2800" b="1">
+              <a:rPr lang="zh-CN" altLang="en-US" sz="2800" b="1" dirty="0">
                 <a:latin typeface="楷体_GB2312" pitchFamily="49" charset="-122"/>
                 <a:ea typeface="楷体_GB2312" pitchFamily="49" charset="-122"/>
               </a:rPr>
@@ -13593,7 +13690,7 @@
                 <a:spcPct val="50000"/>
               </a:spcBef>
             </a:pPr>
-            <a:endParaRPr lang="zh-CN" altLang="en-US" sz="2800" b="1">
+            <a:endParaRPr lang="zh-CN" altLang="en-US" sz="2800" b="1" dirty="0">
               <a:latin typeface="楷体_GB2312" pitchFamily="49" charset="-122"/>
               <a:ea typeface="楷体_GB2312" pitchFamily="49" charset="-122"/>
             </a:endParaRPr>
@@ -13618,7 +13715,7 @@
           <a:graphicData uri="http://schemas.openxmlformats.org/presentationml/2006/ole">
             <mc:AlternateContent xmlns:mc="http://schemas.openxmlformats.org/markup-compatibility/2006">
               <mc:Choice xmlns:v="urn:schemas-microsoft-com:vml" Requires="v">
-                <p:oleObj spid="_x0000_s24598" name="Equation" r:id="rId3" imgW="1688760" imgH="203040" progId="Equation.DSMT4">
+                <p:oleObj spid="_x0000_s24602" name="Equation" r:id="rId3" imgW="1688760" imgH="203040" progId="Equation.DSMT4">
                   <p:embed/>
                 </p:oleObj>
               </mc:Choice>
@@ -13713,7 +13810,7 @@
           <a:graphicData uri="http://schemas.openxmlformats.org/presentationml/2006/ole">
             <mc:AlternateContent xmlns:mc="http://schemas.openxmlformats.org/markup-compatibility/2006">
               <mc:Choice xmlns:v="urn:schemas-microsoft-com:vml" Requires="v">
-                <p:oleObj spid="_x0000_s24599" name="Equation" r:id="rId5" imgW="1739880" imgH="203040" progId="Equation.DSMT4">
+                <p:oleObj spid="_x0000_s24603" name="Equation" r:id="rId5" imgW="1739880" imgH="203040" progId="Equation.DSMT4">
                   <p:embed/>
                 </p:oleObj>
               </mc:Choice>
@@ -13997,7 +14094,7 @@
           <a:graphicData uri="http://schemas.openxmlformats.org/presentationml/2006/ole">
             <mc:AlternateContent xmlns:mc="http://schemas.openxmlformats.org/markup-compatibility/2006">
               <mc:Choice xmlns:v="urn:schemas-microsoft-com:vml" Requires="v">
-                <p:oleObj spid="_x0000_s1071" name="Equation" r:id="rId3" imgW="1485720" imgH="444240" progId="Equation.DSMT4">
+                <p:oleObj spid="_x0000_s1081" name="Equation" r:id="rId3" imgW="1485720" imgH="444240" progId="Equation.DSMT4">
                   <p:embed/>
                 </p:oleObj>
               </mc:Choice>
@@ -14092,7 +14189,7 @@
           <a:graphicData uri="http://schemas.openxmlformats.org/presentationml/2006/ole">
             <mc:AlternateContent xmlns:mc="http://schemas.openxmlformats.org/markup-compatibility/2006">
               <mc:Choice xmlns:v="urn:schemas-microsoft-com:vml" Requires="v">
-                <p:oleObj spid="_x0000_s1072" name="Equation" r:id="rId5" imgW="1765080" imgH="215640" progId="Equation.DSMT4">
+                <p:oleObj spid="_x0000_s1082" name="Equation" r:id="rId5" imgW="1765080" imgH="215640" progId="Equation.DSMT4">
                   <p:embed/>
                 </p:oleObj>
               </mc:Choice>
@@ -14259,7 +14356,7 @@
           <a:graphicData uri="http://schemas.openxmlformats.org/presentationml/2006/ole">
             <mc:AlternateContent xmlns:mc="http://schemas.openxmlformats.org/markup-compatibility/2006">
               <mc:Choice xmlns:v="urn:schemas-microsoft-com:vml" Requires="v">
-                <p:oleObj spid="_x0000_s1073" name="Equation" r:id="rId7" imgW="1002960" imgH="228600" progId="Equation.DSMT4">
+                <p:oleObj spid="_x0000_s1083" name="Equation" r:id="rId7" imgW="1002960" imgH="228600" progId="Equation.DSMT4">
                   <p:embed/>
                 </p:oleObj>
               </mc:Choice>
@@ -14352,7 +14449,7 @@
           <a:graphicData uri="http://schemas.openxmlformats.org/presentationml/2006/ole">
             <mc:AlternateContent xmlns:mc="http://schemas.openxmlformats.org/markup-compatibility/2006">
               <mc:Choice xmlns:v="urn:schemas-microsoft-com:vml" Requires="v">
-                <p:oleObj spid="_x0000_s1074" name="Equation" r:id="rId9" imgW="1066680" imgH="241200" progId="Equation.DSMT4">
+                <p:oleObj spid="_x0000_s1084" name="Equation" r:id="rId9" imgW="1066680" imgH="241200" progId="Equation.DSMT4">
                   <p:embed/>
                 </p:oleObj>
               </mc:Choice>
@@ -14667,7 +14764,7 @@
           <a:graphicData uri="http://schemas.openxmlformats.org/presentationml/2006/ole">
             <mc:AlternateContent xmlns:mc="http://schemas.openxmlformats.org/markup-compatibility/2006">
               <mc:Choice xmlns:v="urn:schemas-microsoft-com:vml" Requires="v">
-                <p:oleObj spid="_x0000_s1075" name="Equation" r:id="rId11" imgW="2286000" imgH="228600" progId="Equation.DSMT4">
+                <p:oleObj spid="_x0000_s1085" name="Equation" r:id="rId11" imgW="2286000" imgH="228600" progId="Equation.DSMT4">
                   <p:embed/>
                 </p:oleObj>
               </mc:Choice>
@@ -14962,7 +15059,7 @@
           <a:graphicData uri="http://schemas.openxmlformats.org/presentationml/2006/ole">
             <mc:AlternateContent xmlns:mc="http://schemas.openxmlformats.org/markup-compatibility/2006">
               <mc:Choice xmlns:v="urn:schemas-microsoft-com:vml" Requires="v">
-                <p:oleObj spid="_x0000_s2104" name="Equation" r:id="rId3" imgW="2197080" imgH="215640" progId="Equation.DSMT4">
+                <p:oleObj spid="_x0000_s2116" name="Equation" r:id="rId3" imgW="2197080" imgH="215640" progId="Equation.DSMT4">
                   <p:embed/>
                 </p:oleObj>
               </mc:Choice>
@@ -15057,7 +15154,7 @@
           <a:graphicData uri="http://schemas.openxmlformats.org/presentationml/2006/ole">
             <mc:AlternateContent xmlns:mc="http://schemas.openxmlformats.org/markup-compatibility/2006">
               <mc:Choice xmlns:v="urn:schemas-microsoft-com:vml" Requires="v">
-                <p:oleObj spid="_x0000_s2105" name="Equation" r:id="rId5" imgW="2552400" imgH="203040" progId="Equation.DSMT4">
+                <p:oleObj spid="_x0000_s2117" name="Equation" r:id="rId5" imgW="2552400" imgH="203040" progId="Equation.DSMT4">
                   <p:embed/>
                 </p:oleObj>
               </mc:Choice>
@@ -15224,7 +15321,7 @@
           <a:graphicData uri="http://schemas.openxmlformats.org/presentationml/2006/ole">
             <mc:AlternateContent xmlns:mc="http://schemas.openxmlformats.org/markup-compatibility/2006">
               <mc:Choice xmlns:v="urn:schemas-microsoft-com:vml" Requires="v">
-                <p:oleObj spid="_x0000_s2106" name="Equation" r:id="rId7" imgW="698400" imgH="203040" progId="Equation.DSMT4">
+                <p:oleObj spid="_x0000_s2118" name="Equation" r:id="rId7" imgW="698400" imgH="203040" progId="Equation.DSMT4">
                   <p:embed/>
                 </p:oleObj>
               </mc:Choice>
@@ -15391,7 +15488,7 @@
           <a:graphicData uri="http://schemas.openxmlformats.org/presentationml/2006/ole">
             <mc:AlternateContent xmlns:mc="http://schemas.openxmlformats.org/markup-compatibility/2006">
               <mc:Choice xmlns:v="urn:schemas-microsoft-com:vml" Requires="v">
-                <p:oleObj spid="_x0000_s2107" name="Equation" r:id="rId9" imgW="1028520" imgH="203040" progId="Equation.DSMT4">
+                <p:oleObj spid="_x0000_s2119" name="Equation" r:id="rId9" imgW="1028520" imgH="203040" progId="Equation.DSMT4">
                   <p:embed/>
                 </p:oleObj>
               </mc:Choice>
@@ -15490,7 +15587,7 @@
           <a:graphicData uri="http://schemas.openxmlformats.org/presentationml/2006/ole">
             <mc:AlternateContent xmlns:mc="http://schemas.openxmlformats.org/markup-compatibility/2006">
               <mc:Choice xmlns:v="urn:schemas-microsoft-com:vml" Requires="v">
-                <p:oleObj spid="_x0000_s2108" name="Equation" r:id="rId11" imgW="88560" imgH="152280" progId="Equation.DSMT4">
+                <p:oleObj spid="_x0000_s2120" name="Equation" r:id="rId11" imgW="88560" imgH="152280" progId="Equation.DSMT4">
                   <p:embed/>
                 </p:oleObj>
               </mc:Choice>
@@ -15583,7 +15680,7 @@
           <a:graphicData uri="http://schemas.openxmlformats.org/presentationml/2006/ole">
             <mc:AlternateContent xmlns:mc="http://schemas.openxmlformats.org/markup-compatibility/2006">
               <mc:Choice xmlns:v="urn:schemas-microsoft-com:vml" Requires="v">
-                <p:oleObj spid="_x0000_s2109" name="Equation" r:id="rId13" imgW="114120" imgH="139680" progId="Equation.DSMT4">
+                <p:oleObj spid="_x0000_s2121" name="Equation" r:id="rId13" imgW="114120" imgH="139680" progId="Equation.DSMT4">
                   <p:embed/>
                 </p:oleObj>
               </mc:Choice>
@@ -15863,7 +15960,7 @@
           <a:graphicData uri="http://schemas.openxmlformats.org/presentationml/2006/ole">
             <mc:AlternateContent xmlns:mc="http://schemas.openxmlformats.org/markup-compatibility/2006">
               <mc:Choice xmlns:v="urn:schemas-microsoft-com:vml" Requires="v">
-                <p:oleObj spid="_x0000_s3092" name="Equation" r:id="rId3" imgW="1511280" imgH="203040" progId="Equation.DSMT4">
+                <p:oleObj spid="_x0000_s3096" name="Equation" r:id="rId3" imgW="1511280" imgH="203040" progId="Equation.DSMT4">
                   <p:embed/>
                 </p:oleObj>
               </mc:Choice>
@@ -16106,7 +16203,7 @@
           <a:graphicData uri="http://schemas.openxmlformats.org/presentationml/2006/ole">
             <mc:AlternateContent xmlns:mc="http://schemas.openxmlformats.org/markup-compatibility/2006">
               <mc:Choice xmlns:v="urn:schemas-microsoft-com:vml" Requires="v">
-                <p:oleObj spid="_x0000_s3093" name="Equation" r:id="rId5" imgW="3454200" imgH="228600" progId="Equation.DSMT4">
+                <p:oleObj spid="_x0000_s3097" name="Equation" r:id="rId5" imgW="3454200" imgH="228600" progId="Equation.DSMT4">
                   <p:embed/>
                 </p:oleObj>
               </mc:Choice>
@@ -16594,7 +16691,7 @@
           <a:graphicData uri="http://schemas.openxmlformats.org/presentationml/2006/ole">
             <mc:AlternateContent xmlns:mc="http://schemas.openxmlformats.org/markup-compatibility/2006">
               <mc:Choice xmlns:v="urn:schemas-microsoft-com:vml" Requires="v">
-                <p:oleObj spid="_x0000_s4118" name="Equation" r:id="rId3" imgW="660240" imgH="203040" progId="Equation.DSMT4">
+                <p:oleObj spid="_x0000_s4126" name="Equation" r:id="rId3" imgW="660240" imgH="203040" progId="Equation.DSMT4">
                   <p:embed/>
                 </p:oleObj>
               </mc:Choice>
@@ -16837,7 +16934,7 @@
           <a:graphicData uri="http://schemas.openxmlformats.org/presentationml/2006/ole">
             <mc:AlternateContent xmlns:mc="http://schemas.openxmlformats.org/markup-compatibility/2006">
               <mc:Choice xmlns:v="urn:schemas-microsoft-com:vml" Requires="v">
-                <p:oleObj spid="_x0000_s4119" name="Equation" r:id="rId5" imgW="2273040" imgH="203040" progId="Equation.DSMT4">
+                <p:oleObj spid="_x0000_s4127" name="Equation" r:id="rId5" imgW="2273040" imgH="203040" progId="Equation.DSMT4">
                   <p:embed/>
                 </p:oleObj>
               </mc:Choice>
@@ -17054,7 +17151,11 @@
             </a:r>
             <a:r>
               <a:rPr lang="en-US" altLang="zh-CN" sz="2800" dirty="0" smtClean="0"/>
-              <a:t>(t)' ;</a:t>
+              <a:t>(t)' </a:t>
+            </a:r>
+            <a:r>
+              <a:rPr lang="en-US" altLang="zh-CN" sz="2800" dirty="0" smtClean="0"/>
+              <a:t>;</a:t>
             </a:r>
           </a:p>
           <a:p>
